--- a/06_PravaPristupa/06 PravaPristupa.pptx
+++ b/06_PravaPristupa/06 PravaPristupa.pptx
@@ -315,7 +315,7 @@
           <a:p>
             <a:fld id="{2986D4BE-532F-443B-99AA-016C229502D5}" type="datetimeFigureOut">
               <a:rPr lang="en-GB" smtClean="0"/>
-              <a:t>15/05/2016</a:t>
+              <a:t>18/05/2016</a:t>
             </a:fld>
             <a:endParaRPr lang="en-GB"/>
           </a:p>
@@ -485,7 +485,7 @@
           <a:p>
             <a:fld id="{2986D4BE-532F-443B-99AA-016C229502D5}" type="datetimeFigureOut">
               <a:rPr lang="en-GB" smtClean="0"/>
-              <a:t>15/05/2016</a:t>
+              <a:t>18/05/2016</a:t>
             </a:fld>
             <a:endParaRPr lang="en-GB"/>
           </a:p>
@@ -665,7 +665,7 @@
           <a:p>
             <a:fld id="{2986D4BE-532F-443B-99AA-016C229502D5}" type="datetimeFigureOut">
               <a:rPr lang="en-GB" smtClean="0"/>
-              <a:t>15/05/2016</a:t>
+              <a:t>18/05/2016</a:t>
             </a:fld>
             <a:endParaRPr lang="en-GB"/>
           </a:p>
@@ -835,7 +835,7 @@
           <a:p>
             <a:fld id="{2986D4BE-532F-443B-99AA-016C229502D5}" type="datetimeFigureOut">
               <a:rPr lang="en-GB" smtClean="0"/>
-              <a:t>15/05/2016</a:t>
+              <a:t>18/05/2016</a:t>
             </a:fld>
             <a:endParaRPr lang="en-GB"/>
           </a:p>
@@ -1081,7 +1081,7 @@
           <a:p>
             <a:fld id="{2986D4BE-532F-443B-99AA-016C229502D5}" type="datetimeFigureOut">
               <a:rPr lang="en-GB" smtClean="0"/>
-              <a:t>15/05/2016</a:t>
+              <a:t>18/05/2016</a:t>
             </a:fld>
             <a:endParaRPr lang="en-GB"/>
           </a:p>
@@ -1369,7 +1369,7 @@
           <a:p>
             <a:fld id="{2986D4BE-532F-443B-99AA-016C229502D5}" type="datetimeFigureOut">
               <a:rPr lang="en-GB" smtClean="0"/>
-              <a:t>15/05/2016</a:t>
+              <a:t>18/05/2016</a:t>
             </a:fld>
             <a:endParaRPr lang="en-GB"/>
           </a:p>
@@ -1791,7 +1791,7 @@
           <a:p>
             <a:fld id="{2986D4BE-532F-443B-99AA-016C229502D5}" type="datetimeFigureOut">
               <a:rPr lang="en-GB" smtClean="0"/>
-              <a:t>15/05/2016</a:t>
+              <a:t>18/05/2016</a:t>
             </a:fld>
             <a:endParaRPr lang="en-GB"/>
           </a:p>
@@ -1909,7 +1909,7 @@
           <a:p>
             <a:fld id="{2986D4BE-532F-443B-99AA-016C229502D5}" type="datetimeFigureOut">
               <a:rPr lang="en-GB" smtClean="0"/>
-              <a:t>15/05/2016</a:t>
+              <a:t>18/05/2016</a:t>
             </a:fld>
             <a:endParaRPr lang="en-GB"/>
           </a:p>
@@ -2004,7 +2004,7 @@
           <a:p>
             <a:fld id="{2986D4BE-532F-443B-99AA-016C229502D5}" type="datetimeFigureOut">
               <a:rPr lang="en-GB" smtClean="0"/>
-              <a:t>15/05/2016</a:t>
+              <a:t>18/05/2016</a:t>
             </a:fld>
             <a:endParaRPr lang="en-GB"/>
           </a:p>
@@ -2281,7 +2281,7 @@
           <a:p>
             <a:fld id="{2986D4BE-532F-443B-99AA-016C229502D5}" type="datetimeFigureOut">
               <a:rPr lang="en-GB" smtClean="0"/>
-              <a:t>15/05/2016</a:t>
+              <a:t>18/05/2016</a:t>
             </a:fld>
             <a:endParaRPr lang="en-GB"/>
           </a:p>
@@ -2534,7 +2534,7 @@
           <a:p>
             <a:fld id="{2986D4BE-532F-443B-99AA-016C229502D5}" type="datetimeFigureOut">
               <a:rPr lang="en-GB" smtClean="0"/>
-              <a:t>15/05/2016</a:t>
+              <a:t>18/05/2016</a:t>
             </a:fld>
             <a:endParaRPr lang="en-GB"/>
           </a:p>
@@ -2747,7 +2747,7 @@
           <a:p>
             <a:fld id="{2986D4BE-532F-443B-99AA-016C229502D5}" type="datetimeFigureOut">
               <a:rPr lang="en-GB" smtClean="0"/>
-              <a:t>15/05/2016</a:t>
+              <a:t>18/05/2016</a:t>
             </a:fld>
             <a:endParaRPr lang="en-GB"/>
           </a:p>
@@ -3573,7 +3573,21 @@
                 <a:latin typeface="Courier New" panose="02070309020205020404" pitchFamily="49" charset="0"/>
                 <a:cs typeface="Courier New" panose="02070309020205020404" pitchFamily="49" charset="0"/>
               </a:rPr>
-              <a:t>Authorization: Bearer &lt;token</a:t>
+              <a:t>Authorization: </a:t>
+            </a:r>
+            <a:r>
+              <a:rPr lang="en-GB" dirty="0" smtClean="0">
+                <a:latin typeface="Courier New" panose="02070309020205020404" pitchFamily="49" charset="0"/>
+                <a:cs typeface="Courier New" panose="02070309020205020404" pitchFamily="49" charset="0"/>
+              </a:rPr>
+              <a:t>Bearer &lt;</a:t>
+            </a:r>
+            <a:r>
+              <a:rPr lang="en-GB" dirty="0">
+                <a:latin typeface="Courier New" panose="02070309020205020404" pitchFamily="49" charset="0"/>
+                <a:cs typeface="Courier New" panose="02070309020205020404" pitchFamily="49" charset="0"/>
+              </a:rPr>
+              <a:t>token</a:t>
             </a:r>
             <a:r>
               <a:rPr lang="en-GB" dirty="0" smtClean="0">
@@ -3686,7 +3700,15 @@
           <a:p>
             <a:r>
               <a:rPr lang="sr-Latn-RS" dirty="0" smtClean="0"/>
-              <a:t>U zavisnosti od prava pristupa koristina sa tim tokenom ustanovi se da li je dozvoljeno pristupiti resursu.</a:t>
+              <a:t>U zavisnosti od prava pristupa </a:t>
+            </a:r>
+            <a:r>
+              <a:rPr lang="sr-Latn-RS" dirty="0" smtClean="0"/>
+              <a:t>korisnika </a:t>
+            </a:r>
+            <a:r>
+              <a:rPr lang="sr-Latn-RS" dirty="0" smtClean="0"/>
+              <a:t>sa tim tokenom ustanovi se da li je dozvoljeno pristupiti resursu.</a:t>
             </a:r>
           </a:p>
           <a:p>
@@ -3891,7 +3913,7 @@
           <a:lstStyle/>
           <a:p>
             <a:r>
-              <a:rPr lang="en-GB" dirty="0"/>
+              <a:rPr lang="en-GB" i="1" dirty="0"/>
               <a:t>Simple, unobtrusive authentication for Node.js</a:t>
             </a:r>
           </a:p>
@@ -5205,8 +5227,8 @@
           <a:lstStyle/>
           <a:p>
             <a:r>
-              <a:rPr lang="sr-Latn-RS" dirty="0" smtClean="0"/>
-              <a:t>Prava pristupa</a:t>
+              <a:rPr lang="sr-Latn-RS" smtClean="0"/>
+              <a:t>Provera role korisnika</a:t>
             </a:r>
             <a:endParaRPr lang="en-GB" dirty="0"/>
           </a:p>
@@ -5225,7 +5247,7 @@
         <p:spPr/>
         <p:txBody>
           <a:bodyPr>
-            <a:normAutofit fontScale="40000" lnSpcReduction="20000"/>
+            <a:normAutofit fontScale="47500" lnSpcReduction="20000"/>
           </a:bodyPr>
           <a:lstStyle/>
           <a:p>
@@ -5293,67 +5315,6 @@
             <a:pPr marL="0" indent="0">
               <a:buNone/>
             </a:pPr>
-            <a:r>
-              <a:rPr lang="en-GB" b="1" dirty="0">
-                <a:latin typeface="Courier New" panose="02070309020205020404" pitchFamily="49" charset="0"/>
-                <a:cs typeface="Courier New" panose="02070309020205020404" pitchFamily="49" charset="0"/>
-              </a:rPr>
-              <a:t>  </a:t>
-            </a:r>
-            <a:r>
-              <a:rPr lang="en-GB" b="1" dirty="0" err="1">
-                <a:latin typeface="Courier New" panose="02070309020205020404" pitchFamily="49" charset="0"/>
-                <a:cs typeface="Courier New" panose="02070309020205020404" pitchFamily="49" charset="0"/>
-              </a:rPr>
-              <a:t>var</a:t>
-            </a:r>
-            <a:r>
-              <a:rPr lang="en-GB" b="1" dirty="0">
-                <a:latin typeface="Courier New" panose="02070309020205020404" pitchFamily="49" charset="0"/>
-                <a:cs typeface="Courier New" panose="02070309020205020404" pitchFamily="49" charset="0"/>
-              </a:rPr>
-              <a:t> token = </a:t>
-            </a:r>
-            <a:r>
-              <a:rPr lang="en-GB" b="1" dirty="0" err="1">
-                <a:latin typeface="Courier New" panose="02070309020205020404" pitchFamily="49" charset="0"/>
-                <a:cs typeface="Courier New" panose="02070309020205020404" pitchFamily="49" charset="0"/>
-              </a:rPr>
-              <a:t>getToken</a:t>
-            </a:r>
-            <a:r>
-              <a:rPr lang="en-GB" b="1" dirty="0">
-                <a:latin typeface="Courier New" panose="02070309020205020404" pitchFamily="49" charset="0"/>
-                <a:cs typeface="Courier New" panose="02070309020205020404" pitchFamily="49" charset="0"/>
-              </a:rPr>
-              <a:t>(</a:t>
-            </a:r>
-            <a:r>
-              <a:rPr lang="en-GB" b="1" dirty="0" err="1">
-                <a:latin typeface="Courier New" panose="02070309020205020404" pitchFamily="49" charset="0"/>
-                <a:cs typeface="Courier New" panose="02070309020205020404" pitchFamily="49" charset="0"/>
-              </a:rPr>
-              <a:t>req.headers</a:t>
-            </a:r>
-            <a:r>
-              <a:rPr lang="en-GB" b="1" dirty="0">
-                <a:latin typeface="Courier New" panose="02070309020205020404" pitchFamily="49" charset="0"/>
-                <a:cs typeface="Courier New" panose="02070309020205020404" pitchFamily="49" charset="0"/>
-              </a:rPr>
-              <a:t>);</a:t>
-            </a:r>
-          </a:p>
-          <a:p>
-            <a:pPr marL="0" indent="0">
-              <a:buNone/>
-            </a:pPr>
-            <a:r>
-              <a:rPr lang="en-GB" b="1" dirty="0">
-                <a:latin typeface="Courier New" panose="02070309020205020404" pitchFamily="49" charset="0"/>
-                <a:cs typeface="Courier New" panose="02070309020205020404" pitchFamily="49" charset="0"/>
-              </a:rPr>
-              <a:t>  </a:t>
-            </a:r>
             <a:r>
               <a:rPr lang="en-GB" b="1" dirty="0">
                 <a:solidFill>
@@ -5362,75 +5323,207 @@
                 <a:latin typeface="Courier New" panose="02070309020205020404" pitchFamily="49" charset="0"/>
                 <a:cs typeface="Courier New" panose="02070309020205020404" pitchFamily="49" charset="0"/>
               </a:rPr>
-              <a:t>if (token) </a:t>
+              <a:t>  </a:t>
+            </a:r>
+            <a:r>
+              <a:rPr lang="en-GB" b="1" dirty="0" err="1">
+                <a:solidFill>
+                  <a:srgbClr val="FF0000"/>
+                </a:solidFill>
+                <a:latin typeface="Courier New" panose="02070309020205020404" pitchFamily="49" charset="0"/>
+                <a:cs typeface="Courier New" panose="02070309020205020404" pitchFamily="49" charset="0"/>
+              </a:rPr>
+              <a:t>var</a:t>
             </a:r>
             <a:r>
               <a:rPr lang="en-GB" b="1" dirty="0">
-                <a:latin typeface="Courier New" panose="02070309020205020404" pitchFamily="49" charset="0"/>
-                <a:cs typeface="Courier New" panose="02070309020205020404" pitchFamily="49" charset="0"/>
-              </a:rPr>
-              <a:t>{</a:t>
-            </a:r>
-          </a:p>
-          <a:p>
-            <a:pPr marL="0" indent="0">
-              <a:buNone/>
-            </a:pPr>
+                <a:solidFill>
+                  <a:srgbClr val="FF0000"/>
+                </a:solidFill>
+                <a:latin typeface="Courier New" panose="02070309020205020404" pitchFamily="49" charset="0"/>
+                <a:cs typeface="Courier New" panose="02070309020205020404" pitchFamily="49" charset="0"/>
+              </a:rPr>
+              <a:t> token = </a:t>
+            </a:r>
+            <a:r>
+              <a:rPr lang="en-GB" b="1" dirty="0" err="1">
+                <a:solidFill>
+                  <a:srgbClr val="FF0000"/>
+                </a:solidFill>
+                <a:latin typeface="Courier New" panose="02070309020205020404" pitchFamily="49" charset="0"/>
+                <a:cs typeface="Courier New" panose="02070309020205020404" pitchFamily="49" charset="0"/>
+              </a:rPr>
+              <a:t>getToken</a:t>
+            </a:r>
+            <a:r>
+              <a:rPr lang="en-GB" b="1" dirty="0">
+                <a:solidFill>
+                  <a:srgbClr val="FF0000"/>
+                </a:solidFill>
+                <a:latin typeface="Courier New" panose="02070309020205020404" pitchFamily="49" charset="0"/>
+                <a:cs typeface="Courier New" panose="02070309020205020404" pitchFamily="49" charset="0"/>
+              </a:rPr>
+              <a:t>(</a:t>
+            </a:r>
+            <a:r>
+              <a:rPr lang="en-GB" b="1" dirty="0" err="1">
+                <a:solidFill>
+                  <a:srgbClr val="FF0000"/>
+                </a:solidFill>
+                <a:latin typeface="Courier New" panose="02070309020205020404" pitchFamily="49" charset="0"/>
+                <a:cs typeface="Courier New" panose="02070309020205020404" pitchFamily="49" charset="0"/>
+              </a:rPr>
+              <a:t>req.headers</a:t>
+            </a:r>
+            <a:r>
+              <a:rPr lang="en-GB" b="1" dirty="0">
+                <a:solidFill>
+                  <a:srgbClr val="FF0000"/>
+                </a:solidFill>
+                <a:latin typeface="Courier New" panose="02070309020205020404" pitchFamily="49" charset="0"/>
+                <a:cs typeface="Courier New" panose="02070309020205020404" pitchFamily="49" charset="0"/>
+              </a:rPr>
+              <a:t>);</a:t>
+            </a:r>
+          </a:p>
+          <a:p>
+            <a:pPr marL="0" indent="0">
+              <a:buNone/>
+            </a:pPr>
+            <a:r>
+              <a:rPr lang="en-GB" b="1" dirty="0" err="1" smtClean="0">
+                <a:solidFill>
+                  <a:srgbClr val="FF0000"/>
+                </a:solidFill>
+                <a:latin typeface="Courier New" panose="02070309020205020404" pitchFamily="49" charset="0"/>
+                <a:cs typeface="Courier New" panose="02070309020205020404" pitchFamily="49" charset="0"/>
+              </a:rPr>
+              <a:t>var</a:t>
+            </a:r>
             <a:r>
               <a:rPr lang="en-GB" b="1" dirty="0" smtClean="0">
-                <a:latin typeface="Courier New" panose="02070309020205020404" pitchFamily="49" charset="0"/>
-                <a:cs typeface="Courier New" panose="02070309020205020404" pitchFamily="49" charset="0"/>
-              </a:rPr>
-              <a:t>  </a:t>
-            </a:r>
-            <a:r>
-              <a:rPr lang="en-GB" b="1" dirty="0" err="1" smtClean="0">
-                <a:latin typeface="Courier New" panose="02070309020205020404" pitchFamily="49" charset="0"/>
-                <a:cs typeface="Courier New" panose="02070309020205020404" pitchFamily="49" charset="0"/>
-              </a:rPr>
-              <a:t>var</a:t>
-            </a:r>
+                <a:solidFill>
+                  <a:srgbClr val="FF0000"/>
+                </a:solidFill>
+                <a:latin typeface="Courier New" panose="02070309020205020404" pitchFamily="49" charset="0"/>
+                <a:cs typeface="Courier New" panose="02070309020205020404" pitchFamily="49" charset="0"/>
+              </a:rPr>
+              <a:t> </a:t>
+            </a:r>
+            <a:r>
+              <a:rPr lang="en-GB" b="1" dirty="0">
+                <a:solidFill>
+                  <a:srgbClr val="FF0000"/>
+                </a:solidFill>
+                <a:latin typeface="Courier New" panose="02070309020205020404" pitchFamily="49" charset="0"/>
+                <a:cs typeface="Courier New" panose="02070309020205020404" pitchFamily="49" charset="0"/>
+              </a:rPr>
+              <a:t>decoded = </a:t>
+            </a:r>
+            <a:r>
+              <a:rPr lang="en-GB" b="1" dirty="0" err="1">
+                <a:solidFill>
+                  <a:srgbClr val="FF0000"/>
+                </a:solidFill>
+                <a:latin typeface="Courier New" panose="02070309020205020404" pitchFamily="49" charset="0"/>
+                <a:cs typeface="Courier New" panose="02070309020205020404" pitchFamily="49" charset="0"/>
+              </a:rPr>
+              <a:t>jwt.decode</a:t>
+            </a:r>
+            <a:r>
+              <a:rPr lang="en-GB" b="1" dirty="0">
+                <a:solidFill>
+                  <a:srgbClr val="FF0000"/>
+                </a:solidFill>
+                <a:latin typeface="Courier New" panose="02070309020205020404" pitchFamily="49" charset="0"/>
+                <a:cs typeface="Courier New" panose="02070309020205020404" pitchFamily="49" charset="0"/>
+              </a:rPr>
+              <a:t>(token, </a:t>
+            </a:r>
+            <a:r>
+              <a:rPr lang="en-GB" b="1" dirty="0" err="1">
+                <a:solidFill>
+                  <a:srgbClr val="FF0000"/>
+                </a:solidFill>
+                <a:latin typeface="Courier New" panose="02070309020205020404" pitchFamily="49" charset="0"/>
+                <a:cs typeface="Courier New" panose="02070309020205020404" pitchFamily="49" charset="0"/>
+              </a:rPr>
+              <a:t>config.secret</a:t>
+            </a:r>
+            <a:r>
+              <a:rPr lang="en-GB" b="1" dirty="0">
+                <a:solidFill>
+                  <a:srgbClr val="FF0000"/>
+                </a:solidFill>
+                <a:latin typeface="Courier New" panose="02070309020205020404" pitchFamily="49" charset="0"/>
+                <a:cs typeface="Courier New" panose="02070309020205020404" pitchFamily="49" charset="0"/>
+              </a:rPr>
+              <a:t>);</a:t>
+            </a:r>
+          </a:p>
+          <a:p>
+            <a:pPr marL="0" indent="0">
+              <a:buNone/>
+            </a:pPr>
             <a:r>
               <a:rPr lang="en-GB" b="1" dirty="0" smtClean="0">
-                <a:latin typeface="Courier New" panose="02070309020205020404" pitchFamily="49" charset="0"/>
-                <a:cs typeface="Courier New" panose="02070309020205020404" pitchFamily="49" charset="0"/>
-              </a:rPr>
-              <a:t> </a:t>
+                <a:solidFill>
+                  <a:srgbClr val="FF0000"/>
+                </a:solidFill>
+                <a:latin typeface="Courier New" panose="02070309020205020404" pitchFamily="49" charset="0"/>
+                <a:cs typeface="Courier New" panose="02070309020205020404" pitchFamily="49" charset="0"/>
+              </a:rPr>
+              <a:t>  if</a:t>
             </a:r>
             <a:r>
               <a:rPr lang="en-GB" b="1" dirty="0">
-                <a:latin typeface="Courier New" panose="02070309020205020404" pitchFamily="49" charset="0"/>
-                <a:cs typeface="Courier New" panose="02070309020205020404" pitchFamily="49" charset="0"/>
-              </a:rPr>
-              <a:t>decoded = </a:t>
+                <a:solidFill>
+                  <a:srgbClr val="FF0000"/>
+                </a:solidFill>
+                <a:latin typeface="Courier New" panose="02070309020205020404" pitchFamily="49" charset="0"/>
+                <a:cs typeface="Courier New" panose="02070309020205020404" pitchFamily="49" charset="0"/>
+              </a:rPr>
+              <a:t>(!</a:t>
             </a:r>
             <a:r>
               <a:rPr lang="en-GB" b="1" dirty="0" err="1">
-                <a:latin typeface="Courier New" panose="02070309020205020404" pitchFamily="49" charset="0"/>
-                <a:cs typeface="Courier New" panose="02070309020205020404" pitchFamily="49" charset="0"/>
-              </a:rPr>
-              <a:t>jwt.decode</a:t>
+                <a:solidFill>
+                  <a:srgbClr val="FF0000"/>
+                </a:solidFill>
+                <a:latin typeface="Courier New" panose="02070309020205020404" pitchFamily="49" charset="0"/>
+                <a:cs typeface="Courier New" panose="02070309020205020404" pitchFamily="49" charset="0"/>
+              </a:rPr>
+              <a:t>decoded.role</a:t>
             </a:r>
             <a:r>
               <a:rPr lang="en-GB" b="1" dirty="0">
-                <a:latin typeface="Courier New" panose="02070309020205020404" pitchFamily="49" charset="0"/>
-                <a:cs typeface="Courier New" panose="02070309020205020404" pitchFamily="49" charset="0"/>
-              </a:rPr>
-              <a:t>(token, </a:t>
+                <a:solidFill>
+                  <a:srgbClr val="FF0000"/>
+                </a:solidFill>
+                <a:latin typeface="Courier New" panose="02070309020205020404" pitchFamily="49" charset="0"/>
+                <a:cs typeface="Courier New" panose="02070309020205020404" pitchFamily="49" charset="0"/>
+              </a:rPr>
+              <a:t>||</a:t>
             </a:r>
             <a:r>
               <a:rPr lang="en-GB" b="1" dirty="0" err="1">
-                <a:latin typeface="Courier New" panose="02070309020205020404" pitchFamily="49" charset="0"/>
-                <a:cs typeface="Courier New" panose="02070309020205020404" pitchFamily="49" charset="0"/>
-              </a:rPr>
-              <a:t>config.secret</a:t>
+                <a:solidFill>
+                  <a:srgbClr val="FF0000"/>
+                </a:solidFill>
+                <a:latin typeface="Courier New" panose="02070309020205020404" pitchFamily="49" charset="0"/>
+                <a:cs typeface="Courier New" panose="02070309020205020404" pitchFamily="49" charset="0"/>
+              </a:rPr>
+              <a:t>decoded.role</a:t>
             </a:r>
             <a:r>
               <a:rPr lang="en-GB" b="1" dirty="0">
-                <a:latin typeface="Courier New" panose="02070309020205020404" pitchFamily="49" charset="0"/>
-                <a:cs typeface="Courier New" panose="02070309020205020404" pitchFamily="49" charset="0"/>
-              </a:rPr>
-              <a:t>);</a:t>
+                <a:solidFill>
+                  <a:srgbClr val="FF0000"/>
+                </a:solidFill>
+                <a:latin typeface="Courier New" panose="02070309020205020404" pitchFamily="49" charset="0"/>
+                <a:cs typeface="Courier New" panose="02070309020205020404" pitchFamily="49" charset="0"/>
+              </a:rPr>
+              <a:t>!=='admin'){</a:t>
             </a:r>
           </a:p>
           <a:p>
@@ -5439,101 +5532,78 @@
             </a:pPr>
             <a:r>
               <a:rPr lang="en-GB" b="1" dirty="0" smtClean="0">
-                <a:latin typeface="Courier New" panose="02070309020205020404" pitchFamily="49" charset="0"/>
-                <a:cs typeface="Courier New" panose="02070309020205020404" pitchFamily="49" charset="0"/>
-              </a:rPr>
-              <a:t>  if</a:t>
+                <a:solidFill>
+                  <a:srgbClr val="FF0000"/>
+                </a:solidFill>
+                <a:latin typeface="Courier New" panose="02070309020205020404" pitchFamily="49" charset="0"/>
+                <a:cs typeface="Courier New" panose="02070309020205020404" pitchFamily="49" charset="0"/>
+              </a:rPr>
+              <a:t>    </a:t>
             </a:r>
             <a:r>
               <a:rPr lang="en-GB" b="1" dirty="0">
-                <a:latin typeface="Courier New" panose="02070309020205020404" pitchFamily="49" charset="0"/>
-                <a:cs typeface="Courier New" panose="02070309020205020404" pitchFamily="49" charset="0"/>
-              </a:rPr>
-              <a:t>(!</a:t>
+                <a:solidFill>
+                  <a:srgbClr val="FF0000"/>
+                </a:solidFill>
+                <a:latin typeface="Courier New" panose="02070309020205020404" pitchFamily="49" charset="0"/>
+                <a:cs typeface="Courier New" panose="02070309020205020404" pitchFamily="49" charset="0"/>
+              </a:rPr>
+              <a:t>return </a:t>
             </a:r>
             <a:r>
               <a:rPr lang="en-GB" b="1" dirty="0" err="1">
-                <a:latin typeface="Courier New" panose="02070309020205020404" pitchFamily="49" charset="0"/>
-                <a:cs typeface="Courier New" panose="02070309020205020404" pitchFamily="49" charset="0"/>
-              </a:rPr>
-              <a:t>decoded.role</a:t>
+                <a:solidFill>
+                  <a:srgbClr val="FF0000"/>
+                </a:solidFill>
+                <a:latin typeface="Courier New" panose="02070309020205020404" pitchFamily="49" charset="0"/>
+                <a:cs typeface="Courier New" panose="02070309020205020404" pitchFamily="49" charset="0"/>
+              </a:rPr>
+              <a:t>res.status</a:t>
             </a:r>
             <a:r>
               <a:rPr lang="en-GB" b="1" dirty="0">
-                <a:latin typeface="Courier New" panose="02070309020205020404" pitchFamily="49" charset="0"/>
-                <a:cs typeface="Courier New" panose="02070309020205020404" pitchFamily="49" charset="0"/>
-              </a:rPr>
-              <a:t>||</a:t>
+                <a:solidFill>
+                  <a:srgbClr val="FF0000"/>
+                </a:solidFill>
+                <a:latin typeface="Courier New" panose="02070309020205020404" pitchFamily="49" charset="0"/>
+                <a:cs typeface="Courier New" panose="02070309020205020404" pitchFamily="49" charset="0"/>
+              </a:rPr>
+              <a:t>(403).send({success: false, </a:t>
             </a:r>
             <a:r>
               <a:rPr lang="en-GB" b="1" dirty="0" err="1">
-                <a:latin typeface="Courier New" panose="02070309020205020404" pitchFamily="49" charset="0"/>
-                <a:cs typeface="Courier New" panose="02070309020205020404" pitchFamily="49" charset="0"/>
-              </a:rPr>
-              <a:t>decoded.role</a:t>
+                <a:solidFill>
+                  <a:srgbClr val="FF0000"/>
+                </a:solidFill>
+                <a:latin typeface="Courier New" panose="02070309020205020404" pitchFamily="49" charset="0"/>
+                <a:cs typeface="Courier New" panose="02070309020205020404" pitchFamily="49" charset="0"/>
+              </a:rPr>
+              <a:t>msg</a:t>
             </a:r>
             <a:r>
               <a:rPr lang="en-GB" b="1" dirty="0">
-                <a:latin typeface="Courier New" panose="02070309020205020404" pitchFamily="49" charset="0"/>
-                <a:cs typeface="Courier New" panose="02070309020205020404" pitchFamily="49" charset="0"/>
-              </a:rPr>
-              <a:t>!=='admin'){</a:t>
-            </a:r>
-          </a:p>
-          <a:p>
-            <a:pPr marL="0" indent="0">
-              <a:buNone/>
-            </a:pPr>
+                <a:solidFill>
+                  <a:srgbClr val="FF0000"/>
+                </a:solidFill>
+                <a:latin typeface="Courier New" panose="02070309020205020404" pitchFamily="49" charset="0"/>
+                <a:cs typeface="Courier New" panose="02070309020205020404" pitchFamily="49" charset="0"/>
+              </a:rPr>
+              <a:t>: 'Not allowed</a:t>
+            </a:r>
             <a:r>
               <a:rPr lang="en-GB" b="1" dirty="0" smtClean="0">
-                <a:latin typeface="Courier New" panose="02070309020205020404" pitchFamily="49" charset="0"/>
-                <a:cs typeface="Courier New" panose="02070309020205020404" pitchFamily="49" charset="0"/>
-              </a:rPr>
-              <a:t>    </a:t>
-            </a:r>
-            <a:r>
-              <a:rPr lang="en-GB" b="1" dirty="0">
-                <a:latin typeface="Courier New" panose="02070309020205020404" pitchFamily="49" charset="0"/>
-                <a:cs typeface="Courier New" panose="02070309020205020404" pitchFamily="49" charset="0"/>
-              </a:rPr>
-              <a:t>return </a:t>
-            </a:r>
-            <a:r>
-              <a:rPr lang="en-GB" b="1" dirty="0" err="1">
-                <a:latin typeface="Courier New" panose="02070309020205020404" pitchFamily="49" charset="0"/>
-                <a:cs typeface="Courier New" panose="02070309020205020404" pitchFamily="49" charset="0"/>
-              </a:rPr>
-              <a:t>res.status</a:t>
-            </a:r>
-            <a:r>
-              <a:rPr lang="en-GB" b="1" dirty="0">
-                <a:latin typeface="Courier New" panose="02070309020205020404" pitchFamily="49" charset="0"/>
-                <a:cs typeface="Courier New" panose="02070309020205020404" pitchFamily="49" charset="0"/>
-              </a:rPr>
-              <a:t>(403).send({success: false, </a:t>
-            </a:r>
-            <a:r>
-              <a:rPr lang="en-GB" b="1" dirty="0" err="1">
-                <a:latin typeface="Courier New" panose="02070309020205020404" pitchFamily="49" charset="0"/>
-                <a:cs typeface="Courier New" panose="02070309020205020404" pitchFamily="49" charset="0"/>
-              </a:rPr>
-              <a:t>msg</a:t>
-            </a:r>
-            <a:r>
-              <a:rPr lang="en-GB" b="1" dirty="0">
-                <a:latin typeface="Courier New" panose="02070309020205020404" pitchFamily="49" charset="0"/>
-                <a:cs typeface="Courier New" panose="02070309020205020404" pitchFamily="49" charset="0"/>
-              </a:rPr>
-              <a:t>: 'Not allowed</a:t>
-            </a:r>
-            <a:r>
-              <a:rPr lang="en-GB" b="1" dirty="0" smtClean="0">
+                <a:solidFill>
+                  <a:srgbClr val="FF0000"/>
+                </a:solidFill>
                 <a:latin typeface="Courier New" panose="02070309020205020404" pitchFamily="49" charset="0"/>
                 <a:cs typeface="Courier New" panose="02070309020205020404" pitchFamily="49" charset="0"/>
               </a:rPr>
               <a:t>.'});  </a:t>
             </a:r>
             <a:endParaRPr lang="en-GB" b="1" dirty="0">
+              <a:solidFill>
+                <a:srgbClr val="FF0000"/>
+              </a:solidFill>
               <a:latin typeface="Courier New" panose="02070309020205020404" pitchFamily="49" charset="0"/>
               <a:cs typeface="Courier New" panose="02070309020205020404" pitchFamily="49" charset="0"/>
             </a:endParaRPr>
@@ -5544,12 +5614,18 @@
             </a:pPr>
             <a:r>
               <a:rPr lang="en-GB" b="1" dirty="0" smtClean="0">
+                <a:solidFill>
+                  <a:srgbClr val="FF0000"/>
+                </a:solidFill>
                 <a:latin typeface="Courier New" panose="02070309020205020404" pitchFamily="49" charset="0"/>
                 <a:cs typeface="Courier New" panose="02070309020205020404" pitchFamily="49" charset="0"/>
               </a:rPr>
               <a:t>  }</a:t>
             </a:r>
             <a:endParaRPr lang="en-GB" b="1" dirty="0">
+              <a:solidFill>
+                <a:srgbClr val="FF0000"/>
+              </a:solidFill>
               <a:latin typeface="Courier New" panose="02070309020205020404" pitchFamily="49" charset="0"/>
               <a:cs typeface="Courier New" panose="02070309020205020404" pitchFamily="49" charset="0"/>
             </a:endParaRPr>
@@ -5637,98 +5713,6 @@
             </a:pPr>
             <a:r>
               <a:rPr lang="en-GB" dirty="0">
-                <a:latin typeface="Courier New" panose="02070309020205020404" pitchFamily="49" charset="0"/>
-                <a:cs typeface="Courier New" panose="02070309020205020404" pitchFamily="49" charset="0"/>
-              </a:rPr>
-              <a:t>  }</a:t>
-            </a:r>
-          </a:p>
-          <a:p>
-            <a:pPr marL="0" indent="0">
-              <a:buNone/>
-            </a:pPr>
-            <a:r>
-              <a:rPr lang="en-GB" b="1" dirty="0">
-                <a:latin typeface="Courier New" panose="02070309020205020404" pitchFamily="49" charset="0"/>
-                <a:cs typeface="Courier New" panose="02070309020205020404" pitchFamily="49" charset="0"/>
-              </a:rPr>
-              <a:t>  </a:t>
-            </a:r>
-            <a:r>
-              <a:rPr lang="en-GB" b="1" dirty="0">
-                <a:solidFill>
-                  <a:srgbClr val="FF0000"/>
-                </a:solidFill>
-                <a:latin typeface="Courier New" panose="02070309020205020404" pitchFamily="49" charset="0"/>
-                <a:cs typeface="Courier New" panose="02070309020205020404" pitchFamily="49" charset="0"/>
-              </a:rPr>
-              <a:t>else</a:t>
-            </a:r>
-            <a:r>
-              <a:rPr lang="en-GB" b="1" dirty="0">
-                <a:latin typeface="Courier New" panose="02070309020205020404" pitchFamily="49" charset="0"/>
-                <a:cs typeface="Courier New" panose="02070309020205020404" pitchFamily="49" charset="0"/>
-              </a:rPr>
-              <a:t>{</a:t>
-            </a:r>
-          </a:p>
-          <a:p>
-            <a:pPr marL="0" indent="0">
-              <a:buNone/>
-            </a:pPr>
-            <a:r>
-              <a:rPr lang="en-GB" b="1" dirty="0" smtClean="0">
-                <a:latin typeface="Courier New" panose="02070309020205020404" pitchFamily="49" charset="0"/>
-                <a:cs typeface="Courier New" panose="02070309020205020404" pitchFamily="49" charset="0"/>
-              </a:rPr>
-              <a:t>  return </a:t>
-            </a:r>
-            <a:r>
-              <a:rPr lang="en-GB" b="1" dirty="0" err="1">
-                <a:latin typeface="Courier New" panose="02070309020205020404" pitchFamily="49" charset="0"/>
-                <a:cs typeface="Courier New" panose="02070309020205020404" pitchFamily="49" charset="0"/>
-              </a:rPr>
-              <a:t>res.status</a:t>
-            </a:r>
-            <a:r>
-              <a:rPr lang="en-GB" b="1" dirty="0">
-                <a:latin typeface="Courier New" panose="02070309020205020404" pitchFamily="49" charset="0"/>
-                <a:cs typeface="Courier New" panose="02070309020205020404" pitchFamily="49" charset="0"/>
-              </a:rPr>
-              <a:t>(403).send({success: false, </a:t>
-            </a:r>
-            <a:r>
-              <a:rPr lang="en-GB" b="1" dirty="0" err="1">
-                <a:latin typeface="Courier New" panose="02070309020205020404" pitchFamily="49" charset="0"/>
-                <a:cs typeface="Courier New" panose="02070309020205020404" pitchFamily="49" charset="0"/>
-              </a:rPr>
-              <a:t>msg</a:t>
-            </a:r>
-            <a:r>
-              <a:rPr lang="en-GB" b="1" dirty="0">
-                <a:latin typeface="Courier New" panose="02070309020205020404" pitchFamily="49" charset="0"/>
-                <a:cs typeface="Courier New" panose="02070309020205020404" pitchFamily="49" charset="0"/>
-              </a:rPr>
-              <a:t>: 'Not allowed</a:t>
-            </a:r>
-            <a:r>
-              <a:rPr lang="en-GB" b="1" dirty="0" smtClean="0">
-                <a:latin typeface="Courier New" panose="02070309020205020404" pitchFamily="49" charset="0"/>
-                <a:cs typeface="Courier New" panose="02070309020205020404" pitchFamily="49" charset="0"/>
-              </a:rPr>
-              <a:t>.'});  </a:t>
-            </a:r>
-            <a:endParaRPr lang="en-GB" b="1" dirty="0">
-              <a:latin typeface="Courier New" panose="02070309020205020404" pitchFamily="49" charset="0"/>
-              <a:cs typeface="Courier New" panose="02070309020205020404" pitchFamily="49" charset="0"/>
-            </a:endParaRPr>
-          </a:p>
-          <a:p>
-            <a:pPr marL="0" indent="0">
-              <a:buNone/>
-            </a:pPr>
-            <a:r>
-              <a:rPr lang="en-GB" b="1" dirty="0">
                 <a:latin typeface="Courier New" panose="02070309020205020404" pitchFamily="49" charset="0"/>
                 <a:cs typeface="Courier New" panose="02070309020205020404" pitchFamily="49" charset="0"/>
               </a:rPr>
@@ -9133,8 +9117,13 @@
             </a:r>
             <a:r>
               <a:rPr lang="sr-Latn-RS" dirty="0" smtClean="0"/>
-              <a:t>često koristi JWT zbog male veličine tokena i mogućnosti da se koriste u različitim domenima primene.</a:t>
-            </a:r>
+              <a:t>često koristi JWT zbog male veličine tokena i mogućnosti da se koriste u različitim </a:t>
+            </a:r>
+            <a:r>
+              <a:rPr lang="sr-Latn-RS" dirty="0" smtClean="0"/>
+              <a:t>domenima.</a:t>
+            </a:r>
+            <a:endParaRPr lang="sr-Latn-RS" dirty="0" smtClean="0"/>
           </a:p>
         </p:txBody>
       </p:sp>
@@ -9227,7 +9216,15 @@
           <a:p>
             <a:r>
               <a:rPr lang="sr-Latn-RS" dirty="0" smtClean="0"/>
-              <a:t>Pošto se potpis formira na osnovu zahlavlja i payload-a, pouzdano se može znati da sadržaj JWT nije menjan</a:t>
+              <a:t>Pošto se potpis formira na osnovu </a:t>
+            </a:r>
+            <a:r>
+              <a:rPr lang="sr-Latn-RS" dirty="0" smtClean="0"/>
+              <a:t>zaglavlja </a:t>
+            </a:r>
+            <a:r>
+              <a:rPr lang="sr-Latn-RS" dirty="0" smtClean="0"/>
+              <a:t>i payload-a, pouzdano se može znati da sadržaj JWT nije menjan</a:t>
             </a:r>
             <a:endParaRPr lang="en-GB" dirty="0"/>
           </a:p>
@@ -9681,8 +9678,9 @@
             <a:pPr lvl="2"/>
             <a:r>
               <a:rPr lang="sr-Latn-RS" b="1" dirty="0" smtClean="0"/>
-              <a:t>Interopreabilne</a:t>
-            </a:r>
+              <a:t>Interoperabilne</a:t>
+            </a:r>
+            <a:endParaRPr lang="sr-Latn-RS" b="1" dirty="0" smtClean="0"/>
           </a:p>
           <a:p>
             <a:pPr lvl="2"/>
